--- a/carles/presentacion de cronos.pptx
+++ b/carles/presentacion de cronos.pptx
@@ -14,7 +14,7 @@
     <p:sldId id="303" r:id="rId5"/>
     <p:sldId id="301" r:id="rId6"/>
     <p:sldId id="302" r:id="rId7"/>
-    <p:sldId id="304" r:id="rId8"/>
+    <p:sldId id="309" r:id="rId8"/>
     <p:sldId id="305" r:id="rId9"/>
     <p:sldId id="306" r:id="rId10"/>
     <p:sldId id="308" r:id="rId11"/>
@@ -23,14 +23,14 @@
   <p:notesSz cx="6858000" cy="9144000"/>
   <p:embeddedFontLst>
     <p:embeddedFont>
-      <p:font typeface="Titillium Web Light" panose="020B0604020202020204" charset="0"/>
+      <p:font typeface="Titillium Web" panose="020B0604020202020204" pitchFamily="2" charset="0"/>
       <p:regular r:id="rId13"/>
       <p:bold r:id="rId14"/>
       <p:italic r:id="rId15"/>
       <p:boldItalic r:id="rId16"/>
     </p:embeddedFont>
     <p:embeddedFont>
-      <p:font typeface="Titillium Web" panose="020B0604020202020204" charset="0"/>
+      <p:font typeface="Titillium Web Light" panose="00000400000000000000" pitchFamily="2" charset="0"/>
       <p:regular r:id="rId17"/>
       <p:bold r:id="rId18"/>
       <p:italic r:id="rId19"/>
@@ -3458,10 +3458,9 @@
           <a:p>
             <a:pPr algn="ctr"/>
             <a:r>
-              <a:rPr lang="es-ES" dirty="0" smtClean="0"/>
+              <a:rPr lang="es-ES" dirty="0"/>
               <a:t>CRONOS  </a:t>
             </a:r>
-            <a:endParaRPr lang="es-ES" dirty="0"/>
           </a:p>
         </p:txBody>
       </p:sp>
@@ -3486,34 +3485,33 @@
           <a:lstStyle/>
           <a:p>
             <a:r>
-              <a:rPr lang="es-ES" dirty="0" smtClean="0"/>
+              <a:rPr lang="es-ES" dirty="0"/>
               <a:t>Realizado por:</a:t>
             </a:r>
           </a:p>
           <a:p>
             <a:r>
-              <a:rPr lang="es-ES" dirty="0" smtClean="0"/>
+              <a:rPr lang="es-ES" dirty="0"/>
               <a:t>Tino  Calvo</a:t>
             </a:r>
           </a:p>
           <a:p>
             <a:r>
-              <a:rPr lang="es-ES" dirty="0" smtClean="0"/>
+              <a:rPr lang="es-ES" dirty="0"/>
               <a:t>Candela Berlanga</a:t>
             </a:r>
           </a:p>
           <a:p>
             <a:r>
-              <a:rPr lang="es-ES" dirty="0" smtClean="0"/>
+              <a:rPr lang="es-ES" dirty="0"/>
               <a:t>Alejandro Contreras</a:t>
             </a:r>
           </a:p>
           <a:p>
             <a:r>
-              <a:rPr lang="es-ES" dirty="0" smtClean="0"/>
+              <a:rPr lang="es-ES" dirty="0"/>
               <a:t>Carles Zarzuela </a:t>
             </a:r>
-            <a:endParaRPr lang="es-ES" dirty="0"/>
           </a:p>
         </p:txBody>
       </p:sp>
@@ -3864,13 +3862,6 @@
   <p:transition spd="slow">
     <p:wipe/>
   </p:transition>
-  <p:timing>
-    <p:tnLst>
-      <p:par>
-        <p:cTn id="1" dur="indefinite" restart="never" nodeType="tmRoot"/>
-      </p:par>
-    </p:tnLst>
-  </p:timing>
 </p:sld>
 </file>
 
@@ -4022,18 +4013,13 @@
           <a:p>
             <a:pPr algn="ctr"/>
             <a:r>
-              <a:rPr lang="de-AT" dirty="0" smtClean="0">
+              <a:rPr lang="de-AT" dirty="0">
                 <a:solidFill>
                   <a:srgbClr val="FF0000"/>
                 </a:solidFill>
               </a:rPr>
               <a:t>Index</a:t>
             </a:r>
-            <a:endParaRPr lang="de-AT" dirty="0">
-              <a:solidFill>
-                <a:srgbClr val="FF0000"/>
-              </a:solidFill>
-            </a:endParaRPr>
           </a:p>
         </p:txBody>
       </p:sp>
@@ -4062,28 +4048,8 @@
               <a:buAutoNum type="arabicPeriod"/>
             </a:pPr>
             <a:r>
-              <a:rPr lang="es-ES" dirty="0" smtClean="0"/>
+              <a:rPr lang="es-ES" dirty="0"/>
               <a:t>video</a:t>
-            </a:r>
-          </a:p>
-          <a:p>
-            <a:pPr marL="533400" indent="-457200">
-              <a:buFont typeface="+mj-lt"/>
-              <a:buAutoNum type="arabicPeriod"/>
-            </a:pPr>
-            <a:r>
-              <a:rPr lang="es-ES" dirty="0" smtClean="0"/>
-              <a:t>idea</a:t>
-            </a:r>
-          </a:p>
-          <a:p>
-            <a:pPr marL="533400" indent="-457200">
-              <a:buFont typeface="+mj-lt"/>
-              <a:buAutoNum type="arabicPeriod"/>
-            </a:pPr>
-            <a:r>
-              <a:rPr lang="es-ES" dirty="0" smtClean="0"/>
-              <a:t>Lo que hace la Pagina</a:t>
             </a:r>
           </a:p>
           <a:p>
@@ -4093,11 +4059,27 @@
             </a:pPr>
             <a:r>
               <a:rPr lang="es-ES" dirty="0"/>
-              <a:t>Diseño i </a:t>
+              <a:t>idea</a:t>
             </a:r>
+          </a:p>
+          <a:p>
+            <a:pPr marL="533400" indent="-457200">
+              <a:buFont typeface="+mj-lt"/>
+              <a:buAutoNum type="arabicPeriod"/>
+            </a:pPr>
             <a:r>
-              <a:rPr lang="es-ES" dirty="0" smtClean="0"/>
-              <a:t>colores</a:t>
+              <a:rPr lang="es-ES" dirty="0"/>
+              <a:t>Lo que hace la Pagina</a:t>
+            </a:r>
+          </a:p>
+          <a:p>
+            <a:pPr marL="533400" indent="-457200">
+              <a:buFont typeface="+mj-lt"/>
+              <a:buAutoNum type="arabicPeriod"/>
+            </a:pPr>
+            <a:r>
+              <a:rPr lang="es-ES" dirty="0"/>
+              <a:t>Diseño i colores</a:t>
             </a:r>
           </a:p>
           <a:p>
@@ -4109,7 +4091,6 @@
               <a:rPr lang="es-ES" dirty="0"/>
               <a:t>Retos</a:t>
             </a:r>
-            <a:endParaRPr lang="es-ES" dirty="0" smtClean="0"/>
           </a:p>
           <a:p>
             <a:pPr marL="533400" indent="-457200">
@@ -4120,7 +4101,6 @@
               <a:rPr lang="es-ES" dirty="0"/>
               <a:t>Soluciones</a:t>
             </a:r>
-            <a:endParaRPr lang="es-ES" dirty="0" smtClean="0"/>
           </a:p>
           <a:p>
             <a:pPr marL="533400" indent="-457200">
@@ -4131,7 +4111,6 @@
               <a:rPr lang="es-ES" dirty="0"/>
               <a:t>Como se ve en el móvil </a:t>
             </a:r>
-            <a:endParaRPr lang="es-ES" dirty="0" smtClean="0"/>
           </a:p>
           <a:p>
             <a:pPr marL="533400" indent="-457200">
@@ -4139,7 +4118,7 @@
               <a:buAutoNum type="arabicPeriod"/>
             </a:pPr>
             <a:r>
-              <a:rPr lang="es-ES" dirty="0" smtClean="0"/>
+              <a:rPr lang="es-ES" dirty="0"/>
               <a:t>Preguntas y dudas </a:t>
             </a:r>
           </a:p>
@@ -4149,7 +4128,7 @@
               <a:buAutoNum type="arabicPeriod"/>
             </a:pPr>
             <a:r>
-              <a:rPr lang="es-ES" dirty="0" smtClean="0"/>
+              <a:rPr lang="es-ES" dirty="0"/>
               <a:t>Acabamos la presentación </a:t>
             </a:r>
           </a:p>
@@ -4168,21 +4147,6 @@
   <p:clrMapOvr>
     <a:masterClrMapping/>
   </p:clrMapOvr>
-  <mc:AlternateContent xmlns:mc="http://schemas.openxmlformats.org/markup-compatibility/2006" xmlns:p14="http://schemas.microsoft.com/office/powerpoint/2010/main">
-    <mc:Choice Requires="p14">
-      <p:transition p14:dur="0"/>
-    </mc:Choice>
-    <mc:Fallback xmlns="">
-      <p:transition/>
-    </mc:Fallback>
-  </mc:AlternateContent>
-  <p:timing>
-    <p:tnLst>
-      <p:par>
-        <p:cTn id="1" dur="indefinite" restart="never" nodeType="tmRoot"/>
-      </p:par>
-    </p:tnLst>
-  </p:timing>
 </p:sld>
 </file>
 
@@ -4238,8 +4202,8 @@
               <a:buNone/>
             </a:pPr>
             <a:r>
-              <a:rPr lang="es-ES" dirty="0" smtClean="0"/>
-              <a:t>Comenzamos</a:t>
+              <a:rPr lang="es-ES" dirty="0"/>
+              <a:t>Nuestra Idea</a:t>
             </a:r>
             <a:endParaRPr dirty="0"/>
           </a:p>
@@ -4285,8 +4249,16 @@
               <a:buNone/>
             </a:pPr>
             <a:r>
-              <a:rPr lang="es-ES" dirty="0" smtClean="0"/>
-              <a:t>Nuestra idea consiste en  una aplicación web de noticias aunque al principio tuvimos </a:t>
+              <a:rPr lang="es-ES" sz="2800" b="1" dirty="0">
+                <a:effectLst>
+                  <a:outerShdw blurRad="38100" dist="38100" dir="2700000" algn="tl">
+                    <a:srgbClr val="000000">
+                      <a:alpha val="43137"/>
+                    </a:srgbClr>
+                  </a:outerShdw>
+                </a:effectLst>
+              </a:rPr>
+              <a:t>Aplicación web de noticias comunitarias</a:t>
             </a:r>
           </a:p>
           <a:p>
@@ -4304,10 +4276,15 @@
               <a:buFont typeface="Arial"/>
               <a:buNone/>
             </a:pPr>
-            <a:r>
-              <a:rPr lang="es-ES" dirty="0" smtClean="0"/>
-              <a:t>Otras ideas pero al final nos quedamos con la web de noticias   por que nos dimos cuenta de unas aplicaciones que nos gustaban</a:t>
-            </a:r>
+            <a:endParaRPr lang="es-ES" sz="2800" b="1" dirty="0">
+              <a:effectLst>
+                <a:outerShdw blurRad="38100" dist="38100" dir="2700000" algn="tl">
+                  <a:srgbClr val="000000">
+                    <a:alpha val="43137"/>
+                  </a:srgbClr>
+                </a:outerShdw>
+              </a:effectLst>
+            </a:endParaRPr>
           </a:p>
           <a:p>
             <a:pPr marL="0" lvl="0" indent="0" algn="l" rtl="0">
@@ -4324,7 +4301,46 @@
               <a:buFont typeface="Arial"/>
               <a:buNone/>
             </a:pPr>
-            <a:endParaRPr lang="es-ES" dirty="0"/>
+            <a:r>
+              <a:rPr lang="es-ES" sz="2800" b="1" dirty="0">
+                <a:effectLst>
+                  <a:outerShdw blurRad="38100" dist="38100" dir="2700000" algn="tl">
+                    <a:srgbClr val="000000">
+                      <a:alpha val="43137"/>
+                    </a:srgbClr>
+                  </a:outerShdw>
+                </a:effectLst>
+              </a:rPr>
+              <a:t>Influencia:</a:t>
+            </a:r>
+          </a:p>
+          <a:p>
+            <a:pPr marL="0" lvl="0" indent="0" algn="l" rtl="0">
+              <a:spcBef>
+                <a:spcPts val="600"/>
+              </a:spcBef>
+              <a:spcAft>
+                <a:spcPts val="0"/>
+              </a:spcAft>
+              <a:buClr>
+                <a:schemeClr val="dk1"/>
+              </a:buClr>
+              <a:buSzPts val="1100"/>
+              <a:buFont typeface="Arial"/>
+              <a:buNone/>
+            </a:pPr>
+            <a:r>
+              <a:rPr lang="es-ES" sz="2800" b="1" dirty="0">
+                <a:effectLst>
+                  <a:outerShdw blurRad="38100" dist="38100" dir="2700000" algn="tl">
+                    <a:srgbClr val="000000">
+                      <a:alpha val="43137"/>
+                    </a:srgbClr>
+                  </a:outerShdw>
+                </a:effectLst>
+              </a:rPr>
+              <a:t>   			        Menéame</a:t>
+            </a:r>
           </a:p>
           <a:p>
             <a:pPr marL="0" lvl="0" indent="0" algn="l" rtl="0">
@@ -4380,7 +4396,7 @@
               <a:buNone/>
             </a:pPr>
             <a:r>
-              <a:rPr lang="en" sz="1200" dirty="0" smtClean="0"/>
+              <a:rPr lang="en" sz="1200" dirty="0"/>
               <a:t>.</a:t>
             </a:r>
             <a:endParaRPr sz="1200" dirty="0"/>
@@ -4460,7 +4476,13 @@
       </p:sp>
       <p:pic>
         <p:nvPicPr>
-          <p:cNvPr id="3" name="Imagen 2"/>
+          <p:cNvPr id="7" name="Imagen 6">
+            <a:extLst>
+              <a:ext uri="{FF2B5EF4-FFF2-40B4-BE49-F238E27FC236}">
+                <a16:creationId xmlns:a16="http://schemas.microsoft.com/office/drawing/2014/main" id="{7EC53172-2F6C-521F-4E74-291CC87134EA}"/>
+              </a:ext>
+            </a:extLst>
+          </p:cNvPr>
           <p:cNvPicPr>
             <a:picLocks noChangeAspect="1"/>
           </p:cNvPicPr>
@@ -4480,8 +4502,8 @@
         </p:blipFill>
         <p:spPr>
           <a:xfrm>
-            <a:off x="1002592" y="2627961"/>
-            <a:ext cx="3061855" cy="2318690"/>
+            <a:off x="3491410" y="3106162"/>
+            <a:ext cx="1991202" cy="1643689"/>
           </a:xfrm>
           <a:prstGeom prst="roundRect">
             <a:avLst>
@@ -4506,13 +4528,6 @@
   <p:clrMapOvr>
     <a:masterClrMapping/>
   </p:clrMapOvr>
-  <p:timing>
-    <p:tnLst>
-      <p:par>
-        <p:cTn id="1" dur="indefinite" restart="never" nodeType="tmRoot"/>
-      </p:par>
-    </p:tnLst>
-  </p:timing>
 </p:sld>
 </file>
 
@@ -4549,10 +4564,9 @@
           <a:lstStyle/>
           <a:p>
             <a:r>
-              <a:rPr lang="es-ES" dirty="0" smtClean="0"/>
-              <a:t>Lo que hace la pagina</a:t>
+              <a:rPr lang="es-ES" dirty="0"/>
+              <a:t>Funcionalidades</a:t>
             </a:r>
-            <a:endParaRPr lang="es-ES" dirty="0"/>
           </a:p>
         </p:txBody>
       </p:sp>
@@ -4580,18 +4594,31 @@
               <a:buNone/>
             </a:pPr>
             <a:r>
-              <a:rPr lang="es-ES" dirty="0" smtClean="0"/>
-              <a:t>Lo que queremos hacer en la aplicación es un portal web de noticias </a:t>
+              <a:rPr lang="es-ES" sz="2800" b="1" dirty="0">
+                <a:effectLst>
+                  <a:outerShdw blurRad="38100" dist="38100" dir="2700000" algn="tl">
+                    <a:srgbClr val="000000">
+                      <a:alpha val="43137"/>
+                    </a:srgbClr>
+                  </a:outerShdw>
+                </a:effectLst>
+              </a:rPr>
+              <a:t>Cualquier persona puede redactar su propia noticia. Además de votar y leer el resto de noticias.</a:t>
             </a:r>
           </a:p>
           <a:p>
             <a:pPr marL="101600" indent="0">
               <a:buNone/>
             </a:pPr>
-            <a:r>
-              <a:rPr lang="es-ES" dirty="0" smtClean="0"/>
-              <a:t>Para que los usuarios puedan hacer noticias y puedan crear comunidades  </a:t>
-            </a:r>
+            <a:endParaRPr lang="es-ES" sz="2800" b="1" dirty="0">
+              <a:effectLst>
+                <a:outerShdw blurRad="38100" dist="38100" dir="2700000" algn="tl">
+                  <a:srgbClr val="000000">
+                    <a:alpha val="43137"/>
+                  </a:srgbClr>
+                </a:outerShdw>
+              </a:effectLst>
+            </a:endParaRPr>
           </a:p>
         </p:txBody>
       </p:sp>
@@ -5228,13 +5255,6 @@
   <p:clrMapOvr>
     <a:masterClrMapping/>
   </p:clrMapOvr>
-  <p:timing>
-    <p:tnLst>
-      <p:par>
-        <p:cTn id="1" dur="indefinite" restart="never" nodeType="tmRoot"/>
-      </p:par>
-    </p:tnLst>
-  </p:timing>
 </p:sld>
 </file>
 
@@ -5271,10 +5291,9 @@
           <a:lstStyle/>
           <a:p>
             <a:r>
-              <a:rPr lang="es-ES" dirty="0" smtClean="0"/>
+              <a:rPr lang="es-ES" dirty="0"/>
               <a:t>Diseño y colores </a:t>
             </a:r>
-            <a:endParaRPr lang="es-ES" dirty="0"/>
           </a:p>
         </p:txBody>
       </p:sp>
@@ -5302,15 +5321,101 @@
               <a:buNone/>
             </a:pPr>
             <a:r>
-              <a:rPr lang="es-ES" dirty="0" smtClean="0"/>
-              <a:t>El diseño empezamos a mirar colores i el diseño que no fuera igual a menéame porque si no era una copia i no queríamos eso </a:t>
+              <a:rPr lang="es-ES" dirty="0">
+                <a:effectLst>
+                  <a:outerShdw blurRad="38100" dist="38100" dir="2700000" algn="tl">
+                    <a:srgbClr val="000000">
+                      <a:alpha val="43137"/>
+                    </a:srgbClr>
+                  </a:outerShdw>
+                </a:effectLst>
+              </a:rPr>
+              <a:t>Color Azul: Sensación de </a:t>
             </a:r>
+            <a:r>
+              <a:rPr lang="es-ES" u="sng" dirty="0">
+                <a:effectLst>
+                  <a:outerShdw blurRad="38100" dist="38100" dir="2700000" algn="tl">
+                    <a:srgbClr val="000000">
+                      <a:alpha val="43137"/>
+                    </a:srgbClr>
+                  </a:outerShdw>
+                </a:effectLst>
+              </a:rPr>
+              <a:t>Seguridad</a:t>
+            </a:r>
+            <a:r>
+              <a:rPr lang="es-ES" dirty="0">
+                <a:effectLst>
+                  <a:outerShdw blurRad="38100" dist="38100" dir="2700000" algn="tl">
+                    <a:srgbClr val="000000">
+                      <a:alpha val="43137"/>
+                    </a:srgbClr>
+                  </a:outerShdw>
+                </a:effectLst>
+              </a:rPr>
+              <a:t>, </a:t>
+            </a:r>
+            <a:r>
+              <a:rPr lang="es-ES" u="sng" dirty="0">
+                <a:effectLst>
+                  <a:outerShdw blurRad="38100" dist="38100" dir="2700000" algn="tl">
+                    <a:srgbClr val="000000">
+                      <a:alpha val="43137"/>
+                    </a:srgbClr>
+                  </a:outerShdw>
+                </a:effectLst>
+              </a:rPr>
+              <a:t>confianza</a:t>
+            </a:r>
+            <a:r>
+              <a:rPr lang="es-ES" dirty="0">
+                <a:effectLst>
+                  <a:outerShdw blurRad="38100" dist="38100" dir="2700000" algn="tl">
+                    <a:srgbClr val="000000">
+                      <a:alpha val="43137"/>
+                    </a:srgbClr>
+                  </a:outerShdw>
+                </a:effectLst>
+              </a:rPr>
+              <a:t> y </a:t>
+            </a:r>
+            <a:r>
+              <a:rPr lang="es-ES" u="sng" dirty="0">
+                <a:effectLst>
+                  <a:outerShdw blurRad="38100" dist="38100" dir="2700000" algn="tl">
+                    <a:srgbClr val="000000">
+                      <a:alpha val="43137"/>
+                    </a:srgbClr>
+                  </a:outerShdw>
+                </a:effectLst>
+              </a:rPr>
+              <a:t>calma</a:t>
+            </a:r>
+            <a:r>
+              <a:rPr lang="es-ES" dirty="0">
+                <a:effectLst>
+                  <a:outerShdw blurRad="38100" dist="38100" dir="2700000" algn="tl">
+                    <a:srgbClr val="000000">
+                      <a:alpha val="43137"/>
+                    </a:srgbClr>
+                  </a:outerShdw>
+                </a:effectLst>
+              </a:rPr>
+              <a:t>.</a:t>
+            </a:r>
           </a:p>
           <a:p>
             <a:pPr marL="76200" indent="0">
               <a:buNone/>
             </a:pPr>
-            <a:endParaRPr lang="es-ES" dirty="0" smtClean="0"/>
+            <a:endParaRPr lang="es-ES" dirty="0"/>
+          </a:p>
+          <a:p>
+            <a:pPr marL="76200" indent="0">
+              <a:buNone/>
+            </a:pPr>
+            <a:endParaRPr lang="es-ES" dirty="0"/>
           </a:p>
           <a:p>
             <a:pPr marL="76200" indent="0">
@@ -5318,11 +5423,34 @@
             </a:pPr>
             <a:r>
               <a:rPr lang="es-ES" dirty="0"/>
-              <a:t> </a:t>
+              <a:t>  color Principal:                 Color secundario:</a:t>
             </a:r>
+          </a:p>
+          <a:p>
+            <a:pPr marL="76200" indent="0">
+              <a:buNone/>
+            </a:pPr>
+            <a:endParaRPr lang="es-ES" dirty="0"/>
+          </a:p>
+          <a:p>
+            <a:pPr marL="76200" indent="0">
+              <a:buNone/>
+            </a:pPr>
+            <a:endParaRPr lang="es-ES" dirty="0"/>
+          </a:p>
+          <a:p>
+            <a:pPr marL="76200" indent="0">
+              <a:buNone/>
+            </a:pPr>
+            <a:endParaRPr lang="es-ES" dirty="0"/>
+          </a:p>
+          <a:p>
+            <a:pPr marL="76200" indent="0">
+              <a:buNone/>
+            </a:pPr>
             <a:r>
-              <a:rPr lang="es-ES" dirty="0" smtClean="0"/>
-              <a:t> color Principal                     color secundario</a:t>
+              <a:rPr lang="es-ES" dirty="0"/>
+              <a:t>	</a:t>
             </a:r>
           </a:p>
         </p:txBody>
@@ -5355,7 +5483,7 @@
               <a:rPr lang="es-ES" smtClean="0"/>
               <a:t>5</a:t>
             </a:fld>
-            <a:endParaRPr lang="es-ES"/>
+            <a:endParaRPr lang="es-ES" dirty="0"/>
           </a:p>
         </p:txBody>
       </p:sp>
@@ -5407,6 +5535,126 @@
           </a:prstGeom>
         </p:spPr>
       </p:pic>
+      <p:sp>
+        <p:nvSpPr>
+          <p:cNvPr id="7" name="CuadroTexto 6">
+            <a:extLst>
+              <a:ext uri="{FF2B5EF4-FFF2-40B4-BE49-F238E27FC236}">
+                <a16:creationId xmlns:a16="http://schemas.microsoft.com/office/drawing/2014/main" id="{0937D458-A0A5-6227-3EB0-E3F602DDAE4D}"/>
+              </a:ext>
+            </a:extLst>
+          </p:cNvPr>
+          <p:cNvSpPr txBox="1"/>
+          <p:nvPr/>
+        </p:nvSpPr>
+        <p:spPr>
+          <a:xfrm>
+            <a:off x="609599" y="4681786"/>
+            <a:ext cx="1673064" cy="461665"/>
+          </a:xfrm>
+          <a:prstGeom prst="rect">
+            <a:avLst/>
+          </a:prstGeom>
+          <a:noFill/>
+        </p:spPr>
+        <p:txBody>
+          <a:bodyPr wrap="square" rtlCol="0">
+            <a:spAutoFit/>
+          </a:bodyPr>
+          <a:lstStyle/>
+          <a:p>
+            <a:r>
+              <a:rPr lang="es-ES" sz="2400" b="1" i="0" dirty="0">
+                <a:solidFill>
+                  <a:schemeClr val="tx1"/>
+                </a:solidFill>
+                <a:effectLst>
+                  <a:outerShdw blurRad="38100" dist="38100" dir="2700000" algn="tl">
+                    <a:srgbClr val="000000">
+                      <a:alpha val="43137"/>
+                    </a:srgbClr>
+                  </a:outerShdw>
+                </a:effectLst>
+                <a:latin typeface="+mj-lt"/>
+              </a:rPr>
+              <a:t>#AEF2F2</a:t>
+            </a:r>
+            <a:endParaRPr lang="es-ES" sz="2400" b="1" dirty="0">
+              <a:solidFill>
+                <a:schemeClr val="tx1"/>
+              </a:solidFill>
+              <a:effectLst>
+                <a:outerShdw blurRad="38100" dist="38100" dir="2700000" algn="tl">
+                  <a:srgbClr val="000000">
+                    <a:alpha val="43137"/>
+                  </a:srgbClr>
+                </a:outerShdw>
+              </a:effectLst>
+              <a:latin typeface="+mj-lt"/>
+            </a:endParaRPr>
+          </a:p>
+        </p:txBody>
+      </p:sp>
+      <p:sp>
+        <p:nvSpPr>
+          <p:cNvPr id="8" name="CuadroTexto 7">
+            <a:extLst>
+              <a:ext uri="{FF2B5EF4-FFF2-40B4-BE49-F238E27FC236}">
+                <a16:creationId xmlns:a16="http://schemas.microsoft.com/office/drawing/2014/main" id="{F66ADCC2-BCCA-1778-8B84-5DCE5FF35E9E}"/>
+              </a:ext>
+            </a:extLst>
+          </p:cNvPr>
+          <p:cNvSpPr txBox="1"/>
+          <p:nvPr/>
+        </p:nvSpPr>
+        <p:spPr>
+          <a:xfrm>
+            <a:off x="3578369" y="4621292"/>
+            <a:ext cx="2248428" cy="461665"/>
+          </a:xfrm>
+          <a:prstGeom prst="rect">
+            <a:avLst/>
+          </a:prstGeom>
+          <a:noFill/>
+        </p:spPr>
+        <p:txBody>
+          <a:bodyPr wrap="square" rtlCol="0">
+            <a:spAutoFit/>
+          </a:bodyPr>
+          <a:lstStyle/>
+          <a:p>
+            <a:r>
+              <a:rPr lang="es-ES" sz="2400" b="1" i="0" dirty="0">
+                <a:solidFill>
+                  <a:schemeClr val="tx1"/>
+                </a:solidFill>
+                <a:effectLst>
+                  <a:outerShdw blurRad="38100" dist="38100" dir="2700000" algn="tl">
+                    <a:srgbClr val="000000">
+                      <a:alpha val="43137"/>
+                    </a:srgbClr>
+                  </a:outerShdw>
+                </a:effectLst>
+                <a:latin typeface="+mj-lt"/>
+              </a:rPr>
+              <a:t>#7BA1A6</a:t>
+            </a:r>
+            <a:endParaRPr lang="es-ES" sz="2400" b="1" dirty="0">
+              <a:solidFill>
+                <a:schemeClr val="tx1"/>
+              </a:solidFill>
+              <a:effectLst>
+                <a:outerShdw blurRad="38100" dist="38100" dir="2700000" algn="tl">
+                  <a:srgbClr val="000000">
+                    <a:alpha val="43137"/>
+                  </a:srgbClr>
+                </a:outerShdw>
+              </a:effectLst>
+              <a:latin typeface="+mj-lt"/>
+            </a:endParaRPr>
+          </a:p>
+        </p:txBody>
+      </p:sp>
     </p:spTree>
     <p:extLst>
       <p:ext uri="{BB962C8B-B14F-4D97-AF65-F5344CB8AC3E}">
@@ -5417,13 +5665,6 @@
   <p:clrMapOvr>
     <a:masterClrMapping/>
   </p:clrMapOvr>
-  <p:timing>
-    <p:tnLst>
-      <p:par>
-        <p:cTn id="1" dur="indefinite" restart="never" nodeType="tmRoot"/>
-      </p:par>
-    </p:tnLst>
-  </p:timing>
 </p:sld>
 </file>
 
@@ -5466,10 +5707,9 @@
           <a:p>
             <a:pPr algn="ctr"/>
             <a:r>
-              <a:rPr lang="es-ES" dirty="0" smtClean="0"/>
+              <a:rPr lang="es-ES" dirty="0"/>
               <a:t>Retos</a:t>
             </a:r>
-            <a:endParaRPr lang="es-ES" dirty="0"/>
           </a:p>
         </p:txBody>
       </p:sp>
@@ -5505,36 +5745,163 @@
           </a:p>
         </p:txBody>
       </p:sp>
-      <p:pic>
-        <p:nvPicPr>
-          <p:cNvPr id="5" name="Imagen 4"/>
-          <p:cNvPicPr>
-            <a:picLocks noChangeAspect="1"/>
-          </p:cNvPicPr>
-          <p:nvPr/>
-        </p:nvPicPr>
-        <p:blipFill>
-          <a:blip r:embed="rId2">
+      <p:sp>
+        <p:nvSpPr>
+          <p:cNvPr id="3" name="CuadroTexto 2">
             <a:extLst>
-              <a:ext uri="{28A0092B-C50C-407E-A947-70E740481C1C}">
-                <a14:useLocalDpi xmlns:a14="http://schemas.microsoft.com/office/drawing/2010/main" val="0"/>
+              <a:ext uri="{FF2B5EF4-FFF2-40B4-BE49-F238E27FC236}">
+                <a16:creationId xmlns:a16="http://schemas.microsoft.com/office/drawing/2014/main" id="{F7B9FEDA-3106-5920-03B0-83E4DE55D7CE}"/>
               </a:ext>
             </a:extLst>
-          </a:blip>
-          <a:stretch>
-            <a:fillRect/>
-          </a:stretch>
-        </p:blipFill>
+          </p:cNvPr>
+          <p:cNvSpPr txBox="1"/>
+          <p:nvPr/>
+        </p:nvSpPr>
         <p:spPr>
           <a:xfrm>
-            <a:off x="552323" y="857400"/>
-            <a:ext cx="7705618" cy="4227218"/>
+            <a:off x="253629" y="1384350"/>
+            <a:ext cx="9984981" cy="2677656"/>
           </a:xfrm>
           <a:prstGeom prst="rect">
             <a:avLst/>
           </a:prstGeom>
+          <a:noFill/>
         </p:spPr>
-      </p:pic>
+        <p:txBody>
+          <a:bodyPr wrap="square" rtlCol="0" anchor="ctr">
+            <a:spAutoFit/>
+          </a:bodyPr>
+          <a:lstStyle/>
+          <a:p>
+            <a:pPr marL="457200" indent="-457200">
+              <a:buClr>
+                <a:schemeClr val="bg1"/>
+              </a:buClr>
+              <a:buFont typeface="Wingdings" panose="05000000000000000000" pitchFamily="2" charset="2"/>
+              <a:buChar char="Ø"/>
+            </a:pPr>
+            <a:r>
+              <a:rPr lang="es-ES" sz="2800" b="1" dirty="0">
+                <a:solidFill>
+                  <a:schemeClr val="bg1"/>
+                </a:solidFill>
+                <a:effectLst>
+                  <a:outerShdw blurRad="38100" dist="38100" dir="2700000" algn="tl">
+                    <a:srgbClr val="000000">
+                      <a:alpha val="43137"/>
+                    </a:srgbClr>
+                  </a:outerShdw>
+                </a:effectLst>
+              </a:rPr>
+              <a:t>Organización del trabajo.</a:t>
+            </a:r>
+          </a:p>
+          <a:p>
+            <a:pPr>
+              <a:buClr>
+                <a:schemeClr val="bg1"/>
+              </a:buClr>
+            </a:pPr>
+            <a:endParaRPr lang="es-ES" sz="2800" b="1" dirty="0">
+              <a:solidFill>
+                <a:schemeClr val="bg1"/>
+              </a:solidFill>
+              <a:effectLst>
+                <a:outerShdw blurRad="38100" dist="38100" dir="2700000" algn="tl">
+                  <a:srgbClr val="000000">
+                    <a:alpha val="43137"/>
+                  </a:srgbClr>
+                </a:outerShdw>
+              </a:effectLst>
+            </a:endParaRPr>
+          </a:p>
+          <a:p>
+            <a:pPr marL="457200" indent="-457200">
+              <a:buClr>
+                <a:schemeClr val="bg1"/>
+              </a:buClr>
+              <a:buFont typeface="Wingdings" panose="05000000000000000000" pitchFamily="2" charset="2"/>
+              <a:buChar char="Ø"/>
+            </a:pPr>
+            <a:r>
+              <a:rPr lang="es-ES" sz="2800" b="1" dirty="0">
+                <a:solidFill>
+                  <a:schemeClr val="bg1"/>
+                </a:solidFill>
+                <a:effectLst>
+                  <a:outerShdw blurRad="38100" dist="38100" dir="2700000" algn="tl">
+                    <a:srgbClr val="000000">
+                      <a:alpha val="43137"/>
+                    </a:srgbClr>
+                  </a:outerShdw>
+                </a:effectLst>
+              </a:rPr>
+              <a:t>Instancia de AWS.</a:t>
+            </a:r>
+          </a:p>
+          <a:p>
+            <a:pPr>
+              <a:buClr>
+                <a:schemeClr val="bg1"/>
+              </a:buClr>
+            </a:pPr>
+            <a:endParaRPr lang="es-ES" sz="2800" b="1" dirty="0">
+              <a:solidFill>
+                <a:schemeClr val="bg1"/>
+              </a:solidFill>
+              <a:effectLst>
+                <a:outerShdw blurRad="38100" dist="38100" dir="2700000" algn="tl">
+                  <a:srgbClr val="000000">
+                    <a:alpha val="43137"/>
+                  </a:srgbClr>
+                </a:outerShdw>
+              </a:effectLst>
+            </a:endParaRPr>
+          </a:p>
+          <a:p>
+            <a:pPr marL="457200" indent="-457200">
+              <a:buClr>
+                <a:schemeClr val="bg1"/>
+              </a:buClr>
+              <a:buFont typeface="Wingdings" panose="05000000000000000000" pitchFamily="2" charset="2"/>
+              <a:buChar char="Ø"/>
+            </a:pPr>
+            <a:r>
+              <a:rPr lang="es-ES" sz="2800" b="1" dirty="0">
+                <a:solidFill>
+                  <a:schemeClr val="bg1"/>
+                </a:solidFill>
+                <a:effectLst>
+                  <a:outerShdw blurRad="38100" dist="38100" dir="2700000" algn="tl">
+                    <a:srgbClr val="000000">
+                      <a:alpha val="43137"/>
+                    </a:srgbClr>
+                  </a:outerShdw>
+                </a:effectLst>
+              </a:rPr>
+              <a:t>Planificación del tiempo.</a:t>
+            </a:r>
+          </a:p>
+          <a:p>
+            <a:pPr marL="457200" indent="-457200">
+              <a:buFont typeface="Wingdings" panose="05000000000000000000" pitchFamily="2" charset="2"/>
+              <a:buChar char="Ø"/>
+            </a:pPr>
+            <a:endParaRPr lang="es-ES" sz="2800" b="1" dirty="0">
+              <a:solidFill>
+                <a:schemeClr val="bg1"/>
+              </a:solidFill>
+              <a:effectLst>
+                <a:outerShdw blurRad="38100" dist="38100" dir="2700000" algn="tl">
+                  <a:srgbClr val="000000">
+                    <a:alpha val="43137"/>
+                  </a:srgbClr>
+                </a:outerShdw>
+              </a:effectLst>
+            </a:endParaRPr>
+          </a:p>
+        </p:txBody>
+      </p:sp>
     </p:spTree>
     <p:extLst>
       <p:ext uri="{BB962C8B-B14F-4D97-AF65-F5344CB8AC3E}">
@@ -5545,13 +5912,6 @@
   <p:clrMapOvr>
     <a:masterClrMapping/>
   </p:clrMapOvr>
-  <p:timing>
-    <p:tnLst>
-      <p:par>
-        <p:cTn id="1" dur="indefinite" restart="never" nodeType="tmRoot"/>
-      </p:par>
-    </p:tnLst>
-  </p:timing>
 </p:sld>
 </file>
 
@@ -5584,7 +5944,7 @@
         </p:nvSpPr>
         <p:spPr>
           <a:xfrm>
-            <a:off x="1406236" y="-50334"/>
+            <a:off x="1343891" y="0"/>
             <a:ext cx="6025500" cy="857400"/>
           </a:xfrm>
         </p:spPr>
@@ -5594,10 +5954,9 @@
           <a:p>
             <a:pPr algn="ctr"/>
             <a:r>
-              <a:rPr lang="es-ES" dirty="0" smtClean="0"/>
-              <a:t>Soluciones </a:t>
+              <a:rPr lang="es-ES" dirty="0"/>
+              <a:t>Soluciones</a:t>
             </a:r>
-            <a:endParaRPr lang="es-ES" dirty="0"/>
           </a:p>
         </p:txBody>
       </p:sp>
@@ -5633,53 +5992,173 @@
           </a:p>
         </p:txBody>
       </p:sp>
-      <p:pic>
-        <p:nvPicPr>
-          <p:cNvPr id="5" name="Imagen 4"/>
-          <p:cNvPicPr>
-            <a:picLocks noChangeAspect="1"/>
-          </p:cNvPicPr>
-          <p:nvPr/>
-        </p:nvPicPr>
-        <p:blipFill>
-          <a:blip r:embed="rId2">
+      <p:sp>
+        <p:nvSpPr>
+          <p:cNvPr id="3" name="CuadroTexto 2">
             <a:extLst>
-              <a:ext uri="{28A0092B-C50C-407E-A947-70E740481C1C}">
-                <a14:useLocalDpi xmlns:a14="http://schemas.microsoft.com/office/drawing/2010/main" val="0"/>
+              <a:ext uri="{FF2B5EF4-FFF2-40B4-BE49-F238E27FC236}">
+                <a16:creationId xmlns:a16="http://schemas.microsoft.com/office/drawing/2014/main" id="{F7B9FEDA-3106-5920-03B0-83E4DE55D7CE}"/>
               </a:ext>
             </a:extLst>
-          </a:blip>
-          <a:stretch>
-            <a:fillRect/>
-          </a:stretch>
-        </p:blipFill>
+          </p:cNvPr>
+          <p:cNvSpPr txBox="1"/>
+          <p:nvPr/>
+        </p:nvSpPr>
         <p:spPr>
           <a:xfrm>
-            <a:off x="0" y="936874"/>
-            <a:ext cx="9144000" cy="3812977"/>
+            <a:off x="253629" y="1168907"/>
+            <a:ext cx="9984981" cy="3108543"/>
           </a:xfrm>
           <a:prstGeom prst="rect">
             <a:avLst/>
           </a:prstGeom>
+          <a:noFill/>
         </p:spPr>
-      </p:pic>
+        <p:txBody>
+          <a:bodyPr wrap="square" rtlCol="0" anchor="ctr">
+            <a:spAutoFit/>
+          </a:bodyPr>
+          <a:lstStyle/>
+          <a:p>
+            <a:pPr marL="457200" indent="-457200">
+              <a:buClr>
+                <a:schemeClr val="bg1"/>
+              </a:buClr>
+              <a:buFont typeface="Wingdings" panose="05000000000000000000" pitchFamily="2" charset="2"/>
+              <a:buChar char="Ø"/>
+            </a:pPr>
+            <a:r>
+              <a:rPr lang="es-ES" sz="2800" b="1" dirty="0">
+                <a:solidFill>
+                  <a:schemeClr val="bg1"/>
+                </a:solidFill>
+                <a:effectLst>
+                  <a:outerShdw blurRad="38100" dist="38100" dir="2700000" algn="tl">
+                    <a:srgbClr val="000000">
+                      <a:alpha val="43137"/>
+                    </a:srgbClr>
+                  </a:outerShdw>
+                </a:effectLst>
+              </a:rPr>
+              <a:t>Adaptar las habilidades individuales al grupo</a:t>
+            </a:r>
+          </a:p>
+          <a:p>
+            <a:pPr>
+              <a:buClr>
+                <a:schemeClr val="bg1"/>
+              </a:buClr>
+            </a:pPr>
+            <a:endParaRPr lang="es-ES" sz="2800" b="1" dirty="0">
+              <a:solidFill>
+                <a:schemeClr val="bg1"/>
+              </a:solidFill>
+              <a:effectLst>
+                <a:outerShdw blurRad="38100" dist="38100" dir="2700000" algn="tl">
+                  <a:srgbClr val="000000">
+                    <a:alpha val="43137"/>
+                  </a:srgbClr>
+                </a:outerShdw>
+              </a:effectLst>
+            </a:endParaRPr>
+          </a:p>
+          <a:p>
+            <a:pPr marL="457200" indent="-457200">
+              <a:buClr>
+                <a:schemeClr val="bg1"/>
+              </a:buClr>
+              <a:buFont typeface="Wingdings" panose="05000000000000000000" pitchFamily="2" charset="2"/>
+              <a:buChar char="Ø"/>
+            </a:pPr>
+            <a:r>
+              <a:rPr lang="es-ES" sz="2800" b="1" dirty="0">
+                <a:solidFill>
+                  <a:schemeClr val="bg1"/>
+                </a:solidFill>
+                <a:effectLst>
+                  <a:outerShdw blurRad="38100" dist="38100" dir="2700000" algn="tl">
+                    <a:srgbClr val="000000">
+                      <a:alpha val="43137"/>
+                    </a:srgbClr>
+                  </a:outerShdw>
+                </a:effectLst>
+              </a:rPr>
+              <a:t>Dedicarle el tiempo necesario.</a:t>
+            </a:r>
+          </a:p>
+          <a:p>
+            <a:pPr>
+              <a:buClr>
+                <a:schemeClr val="bg1"/>
+              </a:buClr>
+            </a:pPr>
+            <a:endParaRPr lang="es-ES" sz="2800" b="1" dirty="0">
+              <a:solidFill>
+                <a:schemeClr val="bg1"/>
+              </a:solidFill>
+              <a:effectLst>
+                <a:outerShdw blurRad="38100" dist="38100" dir="2700000" algn="tl">
+                  <a:srgbClr val="000000">
+                    <a:alpha val="43137"/>
+                  </a:srgbClr>
+                </a:outerShdw>
+              </a:effectLst>
+            </a:endParaRPr>
+          </a:p>
+          <a:p>
+            <a:pPr marL="457200" indent="-457200">
+              <a:buClr>
+                <a:schemeClr val="bg1"/>
+              </a:buClr>
+              <a:buFont typeface="Wingdings" panose="05000000000000000000" pitchFamily="2" charset="2"/>
+              <a:buChar char="Ø"/>
+            </a:pPr>
+            <a:r>
+              <a:rPr lang="es-ES" sz="2800" b="1" dirty="0">
+                <a:solidFill>
+                  <a:schemeClr val="bg1"/>
+                </a:solidFill>
+                <a:effectLst>
+                  <a:outerShdw blurRad="38100" dist="38100" dir="2700000" algn="tl">
+                    <a:srgbClr val="000000">
+                      <a:alpha val="43137"/>
+                    </a:srgbClr>
+                  </a:outerShdw>
+                </a:effectLst>
+              </a:rPr>
+              <a:t>Aprender a planificar teniendo en cuenta las dificultades.</a:t>
+            </a:r>
+          </a:p>
+          <a:p>
+            <a:pPr marL="457200" indent="-457200">
+              <a:buFont typeface="Wingdings" panose="05000000000000000000" pitchFamily="2" charset="2"/>
+              <a:buChar char="Ø"/>
+            </a:pPr>
+            <a:endParaRPr lang="es-ES" sz="2800" b="1" dirty="0">
+              <a:solidFill>
+                <a:schemeClr val="bg1"/>
+              </a:solidFill>
+              <a:effectLst>
+                <a:outerShdw blurRad="38100" dist="38100" dir="2700000" algn="tl">
+                  <a:srgbClr val="000000">
+                    <a:alpha val="43137"/>
+                  </a:srgbClr>
+                </a:outerShdw>
+              </a:effectLst>
+            </a:endParaRPr>
+          </a:p>
+        </p:txBody>
+      </p:sp>
     </p:spTree>
     <p:extLst>
       <p:ext uri="{BB962C8B-B14F-4D97-AF65-F5344CB8AC3E}">
-        <p14:creationId xmlns:p14="http://schemas.microsoft.com/office/powerpoint/2010/main" val="469143004"/>
+        <p14:creationId xmlns:p14="http://schemas.microsoft.com/office/powerpoint/2010/main" val="1404410876"/>
       </p:ext>
     </p:extLst>
   </p:cSld>
   <p:clrMapOvr>
     <a:masterClrMapping/>
   </p:clrMapOvr>
-  <p:timing>
-    <p:tnLst>
-      <p:par>
-        <p:cTn id="1" dur="indefinite" restart="never" nodeType="tmRoot"/>
-      </p:par>
-    </p:tnLst>
-  </p:timing>
 </p:sld>
 </file>
 
@@ -5722,10 +6201,9 @@
           <a:p>
             <a:pPr algn="ctr"/>
             <a:r>
-              <a:rPr lang="es-ES" dirty="0" smtClean="0"/>
-              <a:t>Como se ve en el móvil </a:t>
+              <a:rPr lang="es-ES" dirty="0"/>
+              <a:t>Estructura</a:t>
             </a:r>
-            <a:endParaRPr lang="es-ES" dirty="0"/>
           </a:p>
         </p:txBody>
       </p:sp>
@@ -5758,389 +6236,6 @@
               <a:t>8</a:t>
             </a:fld>
             <a:endParaRPr lang="es-ES"/>
-          </a:p>
-        </p:txBody>
-      </p:sp>
-      <p:sp>
-        <p:nvSpPr>
-          <p:cNvPr id="5" name="Google Shape;798;p46"/>
-          <p:cNvSpPr/>
-          <p:nvPr/>
-        </p:nvSpPr>
-        <p:spPr>
-          <a:xfrm>
-            <a:off x="159327" y="1938414"/>
-            <a:ext cx="2161309" cy="2910675"/>
-          </a:xfrm>
-          <a:custGeom>
-            <a:avLst/>
-            <a:gdLst/>
-            <a:ahLst/>
-            <a:cxnLst/>
-            <a:rect l="l" t="t" r="r" b="b"/>
-            <a:pathLst>
-              <a:path w="11838" h="20508" fill="none" extrusionOk="0">
-                <a:moveTo>
-                  <a:pt x="10547" y="1"/>
-                </a:moveTo>
-                <a:lnTo>
-                  <a:pt x="1292" y="1"/>
-                </a:lnTo>
-                <a:lnTo>
-                  <a:pt x="1292" y="1"/>
-                </a:lnTo>
-                <a:lnTo>
-                  <a:pt x="1024" y="25"/>
-                </a:lnTo>
-                <a:lnTo>
-                  <a:pt x="780" y="98"/>
-                </a:lnTo>
-                <a:lnTo>
-                  <a:pt x="561" y="220"/>
-                </a:lnTo>
-                <a:lnTo>
-                  <a:pt x="366" y="366"/>
-                </a:lnTo>
-                <a:lnTo>
-                  <a:pt x="220" y="561"/>
-                </a:lnTo>
-                <a:lnTo>
-                  <a:pt x="98" y="780"/>
-                </a:lnTo>
-                <a:lnTo>
-                  <a:pt x="25" y="1024"/>
-                </a:lnTo>
-                <a:lnTo>
-                  <a:pt x="1" y="1292"/>
-                </a:lnTo>
-                <a:lnTo>
-                  <a:pt x="1" y="19217"/>
-                </a:lnTo>
-                <a:lnTo>
-                  <a:pt x="1" y="19217"/>
-                </a:lnTo>
-                <a:lnTo>
-                  <a:pt x="25" y="19485"/>
-                </a:lnTo>
-                <a:lnTo>
-                  <a:pt x="98" y="19728"/>
-                </a:lnTo>
-                <a:lnTo>
-                  <a:pt x="220" y="19948"/>
-                </a:lnTo>
-                <a:lnTo>
-                  <a:pt x="366" y="20142"/>
-                </a:lnTo>
-                <a:lnTo>
-                  <a:pt x="561" y="20289"/>
-                </a:lnTo>
-                <a:lnTo>
-                  <a:pt x="780" y="20410"/>
-                </a:lnTo>
-                <a:lnTo>
-                  <a:pt x="1024" y="20483"/>
-                </a:lnTo>
-                <a:lnTo>
-                  <a:pt x="1292" y="20508"/>
-                </a:lnTo>
-                <a:lnTo>
-                  <a:pt x="10547" y="20508"/>
-                </a:lnTo>
-                <a:lnTo>
-                  <a:pt x="10547" y="20508"/>
-                </a:lnTo>
-                <a:lnTo>
-                  <a:pt x="10814" y="20483"/>
-                </a:lnTo>
-                <a:lnTo>
-                  <a:pt x="11058" y="20410"/>
-                </a:lnTo>
-                <a:lnTo>
-                  <a:pt x="11277" y="20289"/>
-                </a:lnTo>
-                <a:lnTo>
-                  <a:pt x="11472" y="20142"/>
-                </a:lnTo>
-                <a:lnTo>
-                  <a:pt x="11618" y="19948"/>
-                </a:lnTo>
-                <a:lnTo>
-                  <a:pt x="11740" y="19728"/>
-                </a:lnTo>
-                <a:lnTo>
-                  <a:pt x="11813" y="19485"/>
-                </a:lnTo>
-                <a:lnTo>
-                  <a:pt x="11837" y="19217"/>
-                </a:lnTo>
-                <a:lnTo>
-                  <a:pt x="11837" y="1292"/>
-                </a:lnTo>
-                <a:lnTo>
-                  <a:pt x="11837" y="1292"/>
-                </a:lnTo>
-                <a:lnTo>
-                  <a:pt x="11813" y="1024"/>
-                </a:lnTo>
-                <a:lnTo>
-                  <a:pt x="11740" y="780"/>
-                </a:lnTo>
-                <a:lnTo>
-                  <a:pt x="11618" y="561"/>
-                </a:lnTo>
-                <a:lnTo>
-                  <a:pt x="11472" y="366"/>
-                </a:lnTo>
-                <a:lnTo>
-                  <a:pt x="11277" y="220"/>
-                </a:lnTo>
-                <a:lnTo>
-                  <a:pt x="11058" y="98"/>
-                </a:lnTo>
-                <a:lnTo>
-                  <a:pt x="10814" y="25"/>
-                </a:lnTo>
-                <a:lnTo>
-                  <a:pt x="10547" y="1"/>
-                </a:lnTo>
-                <a:lnTo>
-                  <a:pt x="10547" y="1"/>
-                </a:lnTo>
-                <a:close/>
-                <a:moveTo>
-                  <a:pt x="5554" y="975"/>
-                </a:moveTo>
-                <a:lnTo>
-                  <a:pt x="6284" y="975"/>
-                </a:lnTo>
-                <a:lnTo>
-                  <a:pt x="6284" y="975"/>
-                </a:lnTo>
-                <a:lnTo>
-                  <a:pt x="6406" y="999"/>
-                </a:lnTo>
-                <a:lnTo>
-                  <a:pt x="6479" y="1073"/>
-                </a:lnTo>
-                <a:lnTo>
-                  <a:pt x="6552" y="1146"/>
-                </a:lnTo>
-                <a:lnTo>
-                  <a:pt x="6577" y="1267"/>
-                </a:lnTo>
-                <a:lnTo>
-                  <a:pt x="6577" y="1267"/>
-                </a:lnTo>
-                <a:lnTo>
-                  <a:pt x="6552" y="1365"/>
-                </a:lnTo>
-                <a:lnTo>
-                  <a:pt x="6479" y="1462"/>
-                </a:lnTo>
-                <a:lnTo>
-                  <a:pt x="6406" y="1511"/>
-                </a:lnTo>
-                <a:lnTo>
-                  <a:pt x="6284" y="1535"/>
-                </a:lnTo>
-                <a:lnTo>
-                  <a:pt x="5554" y="1535"/>
-                </a:lnTo>
-                <a:lnTo>
-                  <a:pt x="5554" y="1535"/>
-                </a:lnTo>
-                <a:lnTo>
-                  <a:pt x="5432" y="1511"/>
-                </a:lnTo>
-                <a:lnTo>
-                  <a:pt x="5359" y="1462"/>
-                </a:lnTo>
-                <a:lnTo>
-                  <a:pt x="5286" y="1365"/>
-                </a:lnTo>
-                <a:lnTo>
-                  <a:pt x="5262" y="1267"/>
-                </a:lnTo>
-                <a:lnTo>
-                  <a:pt x="5262" y="1267"/>
-                </a:lnTo>
-                <a:lnTo>
-                  <a:pt x="5286" y="1146"/>
-                </a:lnTo>
-                <a:lnTo>
-                  <a:pt x="5359" y="1073"/>
-                </a:lnTo>
-                <a:lnTo>
-                  <a:pt x="5432" y="999"/>
-                </a:lnTo>
-                <a:lnTo>
-                  <a:pt x="5554" y="975"/>
-                </a:lnTo>
-                <a:lnTo>
-                  <a:pt x="5554" y="975"/>
-                </a:lnTo>
-                <a:close/>
-                <a:moveTo>
-                  <a:pt x="5919" y="19436"/>
-                </a:moveTo>
-                <a:lnTo>
-                  <a:pt x="5919" y="19436"/>
-                </a:lnTo>
-                <a:lnTo>
-                  <a:pt x="5749" y="19412"/>
-                </a:lnTo>
-                <a:lnTo>
-                  <a:pt x="5578" y="19363"/>
-                </a:lnTo>
-                <a:lnTo>
-                  <a:pt x="5432" y="19290"/>
-                </a:lnTo>
-                <a:lnTo>
-                  <a:pt x="5310" y="19193"/>
-                </a:lnTo>
-                <a:lnTo>
-                  <a:pt x="5213" y="19071"/>
-                </a:lnTo>
-                <a:lnTo>
-                  <a:pt x="5140" y="18925"/>
-                </a:lnTo>
-                <a:lnTo>
-                  <a:pt x="5091" y="18754"/>
-                </a:lnTo>
-                <a:lnTo>
-                  <a:pt x="5067" y="18584"/>
-                </a:lnTo>
-                <a:lnTo>
-                  <a:pt x="5067" y="18584"/>
-                </a:lnTo>
-                <a:lnTo>
-                  <a:pt x="5091" y="18413"/>
-                </a:lnTo>
-                <a:lnTo>
-                  <a:pt x="5140" y="18243"/>
-                </a:lnTo>
-                <a:lnTo>
-                  <a:pt x="5213" y="18097"/>
-                </a:lnTo>
-                <a:lnTo>
-                  <a:pt x="5310" y="17975"/>
-                </a:lnTo>
-                <a:lnTo>
-                  <a:pt x="5432" y="17877"/>
-                </a:lnTo>
-                <a:lnTo>
-                  <a:pt x="5578" y="17804"/>
-                </a:lnTo>
-                <a:lnTo>
-                  <a:pt x="5749" y="17756"/>
-                </a:lnTo>
-                <a:lnTo>
-                  <a:pt x="5919" y="17731"/>
-                </a:lnTo>
-                <a:lnTo>
-                  <a:pt x="5919" y="17731"/>
-                </a:lnTo>
-                <a:lnTo>
-                  <a:pt x="6090" y="17756"/>
-                </a:lnTo>
-                <a:lnTo>
-                  <a:pt x="6260" y="17804"/>
-                </a:lnTo>
-                <a:lnTo>
-                  <a:pt x="6406" y="17877"/>
-                </a:lnTo>
-                <a:lnTo>
-                  <a:pt x="6528" y="17975"/>
-                </a:lnTo>
-                <a:lnTo>
-                  <a:pt x="6625" y="18097"/>
-                </a:lnTo>
-                <a:lnTo>
-                  <a:pt x="6699" y="18243"/>
-                </a:lnTo>
-                <a:lnTo>
-                  <a:pt x="6747" y="18413"/>
-                </a:lnTo>
-                <a:lnTo>
-                  <a:pt x="6772" y="18584"/>
-                </a:lnTo>
-                <a:lnTo>
-                  <a:pt x="6772" y="18584"/>
-                </a:lnTo>
-                <a:lnTo>
-                  <a:pt x="6747" y="18754"/>
-                </a:lnTo>
-                <a:lnTo>
-                  <a:pt x="6699" y="18925"/>
-                </a:lnTo>
-                <a:lnTo>
-                  <a:pt x="6625" y="19071"/>
-                </a:lnTo>
-                <a:lnTo>
-                  <a:pt x="6528" y="19193"/>
-                </a:lnTo>
-                <a:lnTo>
-                  <a:pt x="6406" y="19290"/>
-                </a:lnTo>
-                <a:lnTo>
-                  <a:pt x="6260" y="19363"/>
-                </a:lnTo>
-                <a:lnTo>
-                  <a:pt x="6090" y="19412"/>
-                </a:lnTo>
-                <a:lnTo>
-                  <a:pt x="5919" y="19436"/>
-                </a:lnTo>
-                <a:lnTo>
-                  <a:pt x="5919" y="19436"/>
-                </a:lnTo>
-                <a:close/>
-                <a:moveTo>
-                  <a:pt x="10547" y="16660"/>
-                </a:moveTo>
-                <a:lnTo>
-                  <a:pt x="1292" y="16660"/>
-                </a:lnTo>
-                <a:lnTo>
-                  <a:pt x="1292" y="2558"/>
-                </a:lnTo>
-                <a:lnTo>
-                  <a:pt x="10547" y="2558"/>
-                </a:lnTo>
-                <a:lnTo>
-                  <a:pt x="10547" y="16660"/>
-                </a:lnTo>
-                <a:close/>
-              </a:path>
-            </a:pathLst>
-          </a:custGeom>
-          <a:noFill/>
-          <a:ln w="12175" cap="rnd" cmpd="sng">
-            <a:solidFill>
-              <a:schemeClr val="lt1"/>
-            </a:solidFill>
-            <a:prstDash val="solid"/>
-            <a:round/>
-            <a:headEnd type="none" w="sm" len="sm"/>
-            <a:tailEnd type="none" w="sm" len="sm"/>
-          </a:ln>
-        </p:spPr>
-        <p:txBody>
-          <a:bodyPr spcFirstLastPara="1" wrap="square" lIns="91425" tIns="91425" rIns="91425" bIns="91425" anchor="ctr" anchorCtr="0">
-            <a:noAutofit/>
-          </a:bodyPr>
-          <a:lstStyle/>
-          <a:p>
-            <a:pPr marL="0" lvl="0" indent="0" algn="l" rtl="0">
-              <a:spcBef>
-                <a:spcPts val="0"/>
-              </a:spcBef>
-              <a:spcAft>
-                <a:spcPts val="0"/>
-              </a:spcAft>
-              <a:buNone/>
-            </a:pPr>
-            <a:endParaRPr/>
           </a:p>
         </p:txBody>
       </p:sp>

--- a/carles/presentacion de cronos.pptx
+++ b/carles/presentacion de cronos.pptx
@@ -23,7 +23,7 @@
   <p:notesSz cx="6858000" cy="9144000"/>
   <p:embeddedFontLst>
     <p:embeddedFont>
-      <p:font typeface="Titillium Web" panose="020B0604020202020204" pitchFamily="2" charset="0"/>
+      <p:font typeface="Titillium Web" panose="00000500000000000000" pitchFamily="2" charset="0"/>
       <p:regular r:id="rId13"/>
       <p:bold r:id="rId14"/>
       <p:italic r:id="rId15"/>
@@ -6239,6 +6239,52 @@
           </a:p>
         </p:txBody>
       </p:sp>
+      <p:sp>
+        <p:nvSpPr>
+          <p:cNvPr id="3" name="CuadroTexto 2">
+            <a:extLst>
+              <a:ext uri="{FF2B5EF4-FFF2-40B4-BE49-F238E27FC236}">
+                <a16:creationId xmlns:a16="http://schemas.microsoft.com/office/drawing/2014/main" id="{B6578C9B-A4B7-DD8A-70E4-DA11F325FC21}"/>
+              </a:ext>
+            </a:extLst>
+          </p:cNvPr>
+          <p:cNvSpPr txBox="1"/>
+          <p:nvPr/>
+        </p:nvSpPr>
+        <p:spPr>
+          <a:xfrm>
+            <a:off x="754213" y="1321541"/>
+            <a:ext cx="7849156" cy="523220"/>
+          </a:xfrm>
+          <a:prstGeom prst="rect">
+            <a:avLst/>
+          </a:prstGeom>
+          <a:noFill/>
+        </p:spPr>
+        <p:txBody>
+          <a:bodyPr wrap="square" rtlCol="0">
+            <a:spAutoFit/>
+          </a:bodyPr>
+          <a:lstStyle/>
+          <a:p>
+            <a:r>
+              <a:rPr lang="es-ES" sz="2800" b="1" dirty="0">
+                <a:solidFill>
+                  <a:schemeClr val="bg1"/>
+                </a:solidFill>
+                <a:effectLst>
+                  <a:outerShdw blurRad="38100" dist="38100" dir="2700000" algn="tl">
+                    <a:srgbClr val="000000">
+                      <a:alpha val="43137"/>
+                    </a:srgbClr>
+                  </a:outerShdw>
+                </a:effectLst>
+              </a:rPr>
+              <a:t>Clases:</a:t>
+            </a:r>
+          </a:p>
+        </p:txBody>
+      </p:sp>
     </p:spTree>
     <p:extLst>
       <p:ext uri="{BB962C8B-B14F-4D97-AF65-F5344CB8AC3E}">

--- a/carles/presentacion de cronos.pptx
+++ b/carles/presentacion de cronos.pptx
@@ -5,7 +5,7 @@
     <p:sldMasterId id="2147483657" r:id="rId1"/>
   </p:sldMasterIdLst>
   <p:notesMasterIdLst>
-    <p:notesMasterId r:id="rId12"/>
+    <p:notesMasterId r:id="rId13"/>
   </p:notesMasterIdLst>
   <p:sldIdLst>
     <p:sldId id="300" r:id="rId2"/>
@@ -13,28 +13,29 @@
     <p:sldId id="257" r:id="rId4"/>
     <p:sldId id="303" r:id="rId5"/>
     <p:sldId id="301" r:id="rId6"/>
-    <p:sldId id="302" r:id="rId7"/>
-    <p:sldId id="309" r:id="rId8"/>
-    <p:sldId id="305" r:id="rId9"/>
-    <p:sldId id="306" r:id="rId10"/>
-    <p:sldId id="308" r:id="rId11"/>
+    <p:sldId id="310" r:id="rId7"/>
+    <p:sldId id="302" r:id="rId8"/>
+    <p:sldId id="309" r:id="rId9"/>
+    <p:sldId id="305" r:id="rId10"/>
+    <p:sldId id="306" r:id="rId11"/>
+    <p:sldId id="308" r:id="rId12"/>
   </p:sldIdLst>
   <p:sldSz cx="9144000" cy="5143500" type="screen16x9"/>
   <p:notesSz cx="6858000" cy="9144000"/>
   <p:embeddedFontLst>
     <p:embeddedFont>
       <p:font typeface="Titillium Web" panose="00000500000000000000" pitchFamily="2" charset="0"/>
-      <p:regular r:id="rId13"/>
-      <p:bold r:id="rId14"/>
-      <p:italic r:id="rId15"/>
-      <p:boldItalic r:id="rId16"/>
+      <p:regular r:id="rId14"/>
+      <p:bold r:id="rId15"/>
+      <p:italic r:id="rId16"/>
+      <p:boldItalic r:id="rId17"/>
     </p:embeddedFont>
     <p:embeddedFont>
       <p:font typeface="Titillium Web Light" panose="00000400000000000000" pitchFamily="2" charset="0"/>
-      <p:regular r:id="rId17"/>
-      <p:bold r:id="rId18"/>
-      <p:italic r:id="rId19"/>
-      <p:boldItalic r:id="rId20"/>
+      <p:regular r:id="rId18"/>
+      <p:bold r:id="rId19"/>
+      <p:italic r:id="rId20"/>
+      <p:boldItalic r:id="rId21"/>
     </p:embeddedFont>
   </p:embeddedFontLst>
   <p:defaultTextStyle>
@@ -3448,7 +3449,7 @@
         </p:nvSpPr>
         <p:spPr>
           <a:xfrm>
-            <a:off x="1468582" y="138464"/>
+            <a:off x="1468582" y="145391"/>
             <a:ext cx="5796900" cy="817500"/>
           </a:xfrm>
         </p:spPr>
@@ -3894,6 +3895,130 @@
         </p:nvSpPr>
         <p:spPr>
           <a:xfrm>
+            <a:off x="2625436" y="187037"/>
+            <a:ext cx="3857264" cy="1011382"/>
+          </a:xfrm>
+        </p:spPr>
+        <p:txBody>
+          <a:bodyPr/>
+          <a:lstStyle/>
+          <a:p>
+            <a:pPr algn="ctr"/>
+            <a:r>
+              <a:rPr lang="es-ES" dirty="0"/>
+              <a:t>Preguntas y dudas </a:t>
+            </a:r>
+            <a:br>
+              <a:rPr lang="es-ES" dirty="0"/>
+            </a:br>
+            <a:endParaRPr lang="es-ES" dirty="0"/>
+          </a:p>
+        </p:txBody>
+      </p:sp>
+      <p:sp>
+        <p:nvSpPr>
+          <p:cNvPr id="4" name="Marcador de número de diapositiva 3"/>
+          <p:cNvSpPr>
+            <a:spLocks noGrp="1"/>
+          </p:cNvSpPr>
+          <p:nvPr>
+            <p:ph type="sldNum" idx="12"/>
+          </p:nvPr>
+        </p:nvSpPr>
+        <p:spPr/>
+        <p:txBody>
+          <a:bodyPr/>
+          <a:lstStyle/>
+          <a:p>
+            <a:pPr marL="0" lvl="0" indent="0" algn="r" rtl="0">
+              <a:spcBef>
+                <a:spcPts val="0"/>
+              </a:spcBef>
+              <a:spcAft>
+                <a:spcPts val="0"/>
+              </a:spcAft>
+              <a:buNone/>
+            </a:pPr>
+            <a:fld id="{00000000-1234-1234-1234-123412341234}" type="slidenum">
+              <a:rPr lang="es-ES" smtClean="0"/>
+              <a:t>10</a:t>
+            </a:fld>
+            <a:endParaRPr lang="es-ES"/>
+          </a:p>
+        </p:txBody>
+      </p:sp>
+      <p:pic>
+        <p:nvPicPr>
+          <p:cNvPr id="5" name="Imagen 4"/>
+          <p:cNvPicPr>
+            <a:picLocks noChangeAspect="1"/>
+          </p:cNvPicPr>
+          <p:nvPr/>
+        </p:nvPicPr>
+        <p:blipFill>
+          <a:blip r:embed="rId2">
+            <a:extLst>
+              <a:ext uri="{28A0092B-C50C-407E-A947-70E740481C1C}">
+                <a14:useLocalDpi xmlns:a14="http://schemas.microsoft.com/office/drawing/2010/main" val="0"/>
+              </a:ext>
+            </a:extLst>
+          </a:blip>
+          <a:stretch>
+            <a:fillRect/>
+          </a:stretch>
+        </p:blipFill>
+        <p:spPr>
+          <a:xfrm>
+            <a:off x="1160570" y="894406"/>
+            <a:ext cx="6786996" cy="4052245"/>
+          </a:xfrm>
+          <a:prstGeom prst="rect">
+            <a:avLst/>
+          </a:prstGeom>
+        </p:spPr>
+      </p:pic>
+    </p:spTree>
+    <p:extLst>
+      <p:ext uri="{BB962C8B-B14F-4D97-AF65-F5344CB8AC3E}">
+        <p14:creationId xmlns:p14="http://schemas.microsoft.com/office/powerpoint/2010/main" val="2425668177"/>
+      </p:ext>
+    </p:extLst>
+  </p:cSld>
+  <p:clrMapOvr>
+    <a:masterClrMapping/>
+  </p:clrMapOvr>
+</p:sld>
+</file>
+
+<file path=ppt/slides/slide11.xml><?xml version="1.0" encoding="utf-8"?>
+<p:sld xmlns:a="http://schemas.openxmlformats.org/drawingml/2006/main" xmlns:r="http://schemas.openxmlformats.org/officeDocument/2006/relationships" xmlns:p="http://schemas.openxmlformats.org/presentationml/2006/main">
+  <p:cSld>
+    <p:spTree>
+      <p:nvGrpSpPr>
+        <p:cNvPr id="1" name=""/>
+        <p:cNvGrpSpPr/>
+        <p:nvPr/>
+      </p:nvGrpSpPr>
+      <p:grpSpPr>
+        <a:xfrm>
+          <a:off x="0" y="0"/>
+          <a:ext cx="0" cy="0"/>
+          <a:chOff x="0" y="0"/>
+          <a:chExt cx="0" cy="0"/>
+        </a:xfrm>
+      </p:grpSpPr>
+      <p:sp>
+        <p:nvSpPr>
+          <p:cNvPr id="2" name="Título 1"/>
+          <p:cNvSpPr>
+            <a:spLocks noGrp="1"/>
+          </p:cNvSpPr>
+          <p:nvPr>
+            <p:ph type="title"/>
+          </p:nvPr>
+        </p:nvSpPr>
+        <p:spPr>
+          <a:xfrm>
             <a:off x="1669473" y="55418"/>
             <a:ext cx="6025500" cy="857400"/>
           </a:xfrm>
@@ -3955,7 +4080,7 @@
             </a:pPr>
             <a:fld id="{00000000-1234-1234-1234-123412341234}" type="slidenum">
               <a:rPr lang="es-ES" smtClean="0"/>
-              <a:t>10</a:t>
+              <a:t>11</a:t>
             </a:fld>
             <a:endParaRPr lang="es-ES"/>
           </a:p>
@@ -4603,7 +4728,7 @@
                   </a:outerShdw>
                 </a:effectLst>
               </a:rPr>
-              <a:t>Cualquier persona puede redactar su propia noticia. Además de votar y leer el resto de noticias.</a:t>
+              <a:t>Cualquier persona puede redactar su propia noticia, además de votar y leer el resto de noticias.</a:t>
             </a:r>
           </a:p>
           <a:p>
@@ -5695,20 +5820,74 @@
             <p:ph type="title"/>
           </p:nvPr>
         </p:nvSpPr>
+        <p:spPr/>
+        <p:txBody>
+          <a:bodyPr/>
+          <a:lstStyle/>
+          <a:p>
+            <a:r>
+              <a:rPr lang="es-ES" dirty="0"/>
+              <a:t>Diseño y colores </a:t>
+            </a:r>
+          </a:p>
+        </p:txBody>
+      </p:sp>
+      <p:sp>
+        <p:nvSpPr>
+          <p:cNvPr id="3" name="Marcador de texto 2"/>
+          <p:cNvSpPr>
+            <a:spLocks noGrp="1"/>
+          </p:cNvSpPr>
+          <p:nvPr>
+            <p:ph type="body" idx="1"/>
+          </p:nvPr>
+        </p:nvSpPr>
         <p:spPr>
           <a:xfrm>
-            <a:off x="1343891" y="0"/>
-            <a:ext cx="6025500" cy="857400"/>
+            <a:off x="457200" y="1428748"/>
+            <a:ext cx="8499764" cy="3148800"/>
           </a:xfrm>
         </p:spPr>
         <p:txBody>
           <a:bodyPr/>
           <a:lstStyle/>
           <a:p>
-            <a:pPr algn="ctr"/>
+            <a:pPr marL="76200" indent="0">
+              <a:buNone/>
+            </a:pPr>
+            <a:r>
+              <a:rPr lang="es-ES" dirty="0">
+                <a:effectLst>
+                  <a:outerShdw blurRad="38100" dist="38100" dir="2700000" algn="tl">
+                    <a:srgbClr val="000000">
+                      <a:alpha val="43137"/>
+                    </a:srgbClr>
+                  </a:outerShdw>
+                </a:effectLst>
+              </a:rPr>
+              <a:t>Diseño responsive.  Queremos que cualquier persona pueda acceder a nuestra aplicación web</a:t>
+            </a:r>
+            <a:endParaRPr lang="es-ES" dirty="0"/>
+          </a:p>
+          <a:p>
+            <a:pPr marL="76200" indent="0">
+              <a:buNone/>
+            </a:pPr>
+            <a:endParaRPr lang="es-ES" dirty="0"/>
+          </a:p>
+          <a:p>
+            <a:pPr marL="76200" indent="0">
+              <a:buNone/>
+            </a:pPr>
+            <a:endParaRPr lang="es-ES" dirty="0"/>
+          </a:p>
+          <a:p>
+            <a:pPr marL="76200" indent="0">
+              <a:buNone/>
+            </a:pPr>
             <a:r>
               <a:rPr lang="es-ES" dirty="0"/>
-              <a:t>Retos</a:t>
+              <a:t>	</a:t>
             </a:r>
           </a:p>
         </p:txBody>
@@ -5741,171 +5920,14 @@
               <a:rPr lang="es-ES" smtClean="0"/>
               <a:t>6</a:t>
             </a:fld>
-            <a:endParaRPr lang="es-ES"/>
-          </a:p>
-        </p:txBody>
-      </p:sp>
-      <p:sp>
-        <p:nvSpPr>
-          <p:cNvPr id="3" name="CuadroTexto 2">
-            <a:extLst>
-              <a:ext uri="{FF2B5EF4-FFF2-40B4-BE49-F238E27FC236}">
-                <a16:creationId xmlns:a16="http://schemas.microsoft.com/office/drawing/2014/main" id="{F7B9FEDA-3106-5920-03B0-83E4DE55D7CE}"/>
-              </a:ext>
-            </a:extLst>
-          </p:cNvPr>
-          <p:cNvSpPr txBox="1"/>
-          <p:nvPr/>
-        </p:nvSpPr>
-        <p:spPr>
-          <a:xfrm>
-            <a:off x="253629" y="1384350"/>
-            <a:ext cx="9984981" cy="2677656"/>
-          </a:xfrm>
-          <a:prstGeom prst="rect">
-            <a:avLst/>
-          </a:prstGeom>
-          <a:noFill/>
-        </p:spPr>
-        <p:txBody>
-          <a:bodyPr wrap="square" rtlCol="0" anchor="ctr">
-            <a:spAutoFit/>
-          </a:bodyPr>
-          <a:lstStyle/>
-          <a:p>
-            <a:pPr marL="457200" indent="-457200">
-              <a:buClr>
-                <a:schemeClr val="bg1"/>
-              </a:buClr>
-              <a:buFont typeface="Wingdings" panose="05000000000000000000" pitchFamily="2" charset="2"/>
-              <a:buChar char="Ø"/>
-            </a:pPr>
-            <a:r>
-              <a:rPr lang="es-ES" sz="2800" b="1" dirty="0">
-                <a:solidFill>
-                  <a:schemeClr val="bg1"/>
-                </a:solidFill>
-                <a:effectLst>
-                  <a:outerShdw blurRad="38100" dist="38100" dir="2700000" algn="tl">
-                    <a:srgbClr val="000000">
-                      <a:alpha val="43137"/>
-                    </a:srgbClr>
-                  </a:outerShdw>
-                </a:effectLst>
-              </a:rPr>
-              <a:t>Organización del trabajo.</a:t>
-            </a:r>
-          </a:p>
-          <a:p>
-            <a:pPr>
-              <a:buClr>
-                <a:schemeClr val="bg1"/>
-              </a:buClr>
-            </a:pPr>
-            <a:endParaRPr lang="es-ES" sz="2800" b="1" dirty="0">
-              <a:solidFill>
-                <a:schemeClr val="bg1"/>
-              </a:solidFill>
-              <a:effectLst>
-                <a:outerShdw blurRad="38100" dist="38100" dir="2700000" algn="tl">
-                  <a:srgbClr val="000000">
-                    <a:alpha val="43137"/>
-                  </a:srgbClr>
-                </a:outerShdw>
-              </a:effectLst>
-            </a:endParaRPr>
-          </a:p>
-          <a:p>
-            <a:pPr marL="457200" indent="-457200">
-              <a:buClr>
-                <a:schemeClr val="bg1"/>
-              </a:buClr>
-              <a:buFont typeface="Wingdings" panose="05000000000000000000" pitchFamily="2" charset="2"/>
-              <a:buChar char="Ø"/>
-            </a:pPr>
-            <a:r>
-              <a:rPr lang="es-ES" sz="2800" b="1" dirty="0">
-                <a:solidFill>
-                  <a:schemeClr val="bg1"/>
-                </a:solidFill>
-                <a:effectLst>
-                  <a:outerShdw blurRad="38100" dist="38100" dir="2700000" algn="tl">
-                    <a:srgbClr val="000000">
-                      <a:alpha val="43137"/>
-                    </a:srgbClr>
-                  </a:outerShdw>
-                </a:effectLst>
-              </a:rPr>
-              <a:t>Instancia de AWS.</a:t>
-            </a:r>
-          </a:p>
-          <a:p>
-            <a:pPr>
-              <a:buClr>
-                <a:schemeClr val="bg1"/>
-              </a:buClr>
-            </a:pPr>
-            <a:endParaRPr lang="es-ES" sz="2800" b="1" dirty="0">
-              <a:solidFill>
-                <a:schemeClr val="bg1"/>
-              </a:solidFill>
-              <a:effectLst>
-                <a:outerShdw blurRad="38100" dist="38100" dir="2700000" algn="tl">
-                  <a:srgbClr val="000000">
-                    <a:alpha val="43137"/>
-                  </a:srgbClr>
-                </a:outerShdw>
-              </a:effectLst>
-            </a:endParaRPr>
-          </a:p>
-          <a:p>
-            <a:pPr marL="457200" indent="-457200">
-              <a:buClr>
-                <a:schemeClr val="bg1"/>
-              </a:buClr>
-              <a:buFont typeface="Wingdings" panose="05000000000000000000" pitchFamily="2" charset="2"/>
-              <a:buChar char="Ø"/>
-            </a:pPr>
-            <a:r>
-              <a:rPr lang="es-ES" sz="2800" b="1" dirty="0">
-                <a:solidFill>
-                  <a:schemeClr val="bg1"/>
-                </a:solidFill>
-                <a:effectLst>
-                  <a:outerShdw blurRad="38100" dist="38100" dir="2700000" algn="tl">
-                    <a:srgbClr val="000000">
-                      <a:alpha val="43137"/>
-                    </a:srgbClr>
-                  </a:outerShdw>
-                </a:effectLst>
-              </a:rPr>
-              <a:t>Planificación del tiempo.</a:t>
-            </a:r>
-          </a:p>
-          <a:p>
-            <a:pPr marL="457200" indent="-457200">
-              <a:buFont typeface="Wingdings" panose="05000000000000000000" pitchFamily="2" charset="2"/>
-              <a:buChar char="Ø"/>
-            </a:pPr>
-            <a:endParaRPr lang="es-ES" sz="2800" b="1" dirty="0">
-              <a:solidFill>
-                <a:schemeClr val="bg1"/>
-              </a:solidFill>
-              <a:effectLst>
-                <a:outerShdw blurRad="38100" dist="38100" dir="2700000" algn="tl">
-                  <a:srgbClr val="000000">
-                    <a:alpha val="43137"/>
-                  </a:srgbClr>
-                </a:outerShdw>
-              </a:effectLst>
-            </a:endParaRPr>
+            <a:endParaRPr lang="es-ES" dirty="0"/>
           </a:p>
         </p:txBody>
       </p:sp>
     </p:spTree>
     <p:extLst>
       <p:ext uri="{BB962C8B-B14F-4D97-AF65-F5344CB8AC3E}">
-        <p14:creationId xmlns:p14="http://schemas.microsoft.com/office/powerpoint/2010/main" val="1321203429"/>
+        <p14:creationId xmlns:p14="http://schemas.microsoft.com/office/powerpoint/2010/main" val="1704280744"/>
       </p:ext>
     </p:extLst>
   </p:cSld>
@@ -5955,7 +5977,7 @@
             <a:pPr algn="ctr"/>
             <a:r>
               <a:rPr lang="es-ES" dirty="0"/>
-              <a:t>Soluciones</a:t>
+              <a:t>Retos</a:t>
             </a:r>
           </a:p>
         </p:txBody>
@@ -6006,8 +6028,8 @@
         </p:nvSpPr>
         <p:spPr>
           <a:xfrm>
-            <a:off x="253629" y="1168907"/>
-            <a:ext cx="9984981" cy="3108543"/>
+            <a:off x="253629" y="1384350"/>
+            <a:ext cx="9984981" cy="2677656"/>
           </a:xfrm>
           <a:prstGeom prst="rect">
             <a:avLst/>
@@ -6040,7 +6062,7 @@
                   </a:outerShdw>
                 </a:effectLst>
               </a:rPr>
-              <a:t>Adaptar las habilidades individuales al grupo</a:t>
+              <a:t>Organización del trabajo.</a:t>
             </a:r>
           </a:p>
           <a:p>
@@ -6083,7 +6105,7 @@
                   </a:outerShdw>
                 </a:effectLst>
               </a:rPr>
-              <a:t>Dedicarle el tiempo necesario.</a:t>
+              <a:t>Instancia de AWS.</a:t>
             </a:r>
           </a:p>
           <a:p>
@@ -6126,7 +6148,7 @@
                   </a:outerShdw>
                 </a:effectLst>
               </a:rPr>
-              <a:t>Aprender a planificar teniendo en cuenta las dificultades.</a:t>
+              <a:t>Planificación del tiempo.</a:t>
             </a:r>
           </a:p>
           <a:p>
@@ -6152,7 +6174,7 @@
     </p:spTree>
     <p:extLst>
       <p:ext uri="{BB962C8B-B14F-4D97-AF65-F5344CB8AC3E}">
-        <p14:creationId xmlns:p14="http://schemas.microsoft.com/office/powerpoint/2010/main" val="1404410876"/>
+        <p14:creationId xmlns:p14="http://schemas.microsoft.com/office/powerpoint/2010/main" val="1321203429"/>
       </p:ext>
     </p:extLst>
   </p:cSld>
@@ -6191,7 +6213,7 @@
         </p:nvSpPr>
         <p:spPr>
           <a:xfrm>
-            <a:off x="1517073" y="129776"/>
+            <a:off x="1343891" y="0"/>
             <a:ext cx="6025500" cy="857400"/>
           </a:xfrm>
         </p:spPr>
@@ -6202,7 +6224,7 @@
             <a:pPr algn="ctr"/>
             <a:r>
               <a:rPr lang="es-ES" dirty="0"/>
-              <a:t>Estructura</a:t>
+              <a:t>Soluciones</a:t>
             </a:r>
           </a:p>
         </p:txBody>
@@ -6244,7 +6266,7 @@
           <p:cNvPr id="3" name="CuadroTexto 2">
             <a:extLst>
               <a:ext uri="{FF2B5EF4-FFF2-40B4-BE49-F238E27FC236}">
-                <a16:creationId xmlns:a16="http://schemas.microsoft.com/office/drawing/2014/main" id="{B6578C9B-A4B7-DD8A-70E4-DA11F325FC21}"/>
+                <a16:creationId xmlns:a16="http://schemas.microsoft.com/office/drawing/2014/main" id="{F7B9FEDA-3106-5920-03B0-83E4DE55D7CE}"/>
               </a:ext>
             </a:extLst>
           </p:cNvPr>
@@ -6253,8 +6275,8 @@
         </p:nvSpPr>
         <p:spPr>
           <a:xfrm>
-            <a:off x="754213" y="1321541"/>
-            <a:ext cx="7849156" cy="523220"/>
+            <a:off x="253629" y="1168907"/>
+            <a:ext cx="9984981" cy="3108543"/>
           </a:xfrm>
           <a:prstGeom prst="rect">
             <a:avLst/>
@@ -6262,11 +6284,18 @@
           <a:noFill/>
         </p:spPr>
         <p:txBody>
-          <a:bodyPr wrap="square" rtlCol="0">
+          <a:bodyPr wrap="square" rtlCol="0" anchor="ctr">
             <a:spAutoFit/>
           </a:bodyPr>
           <a:lstStyle/>
           <a:p>
+            <a:pPr marL="457200" indent="-457200">
+              <a:buClr>
+                <a:schemeClr val="bg1"/>
+              </a:buClr>
+              <a:buFont typeface="Wingdings" panose="05000000000000000000" pitchFamily="2" charset="2"/>
+              <a:buChar char="Ø"/>
+            </a:pPr>
             <a:r>
               <a:rPr lang="es-ES" sz="2800" b="1" dirty="0">
                 <a:solidFill>
@@ -6280,15 +6309,119 @@
                   </a:outerShdw>
                 </a:effectLst>
               </a:rPr>
-              <a:t>Clases:</a:t>
+              <a:t>Adaptar las habilidades individuales al grupo</a:t>
             </a:r>
+          </a:p>
+          <a:p>
+            <a:pPr>
+              <a:buClr>
+                <a:schemeClr val="bg1"/>
+              </a:buClr>
+            </a:pPr>
+            <a:endParaRPr lang="es-ES" sz="2800" b="1" dirty="0">
+              <a:solidFill>
+                <a:schemeClr val="bg1"/>
+              </a:solidFill>
+              <a:effectLst>
+                <a:outerShdw blurRad="38100" dist="38100" dir="2700000" algn="tl">
+                  <a:srgbClr val="000000">
+                    <a:alpha val="43137"/>
+                  </a:srgbClr>
+                </a:outerShdw>
+              </a:effectLst>
+            </a:endParaRPr>
+          </a:p>
+          <a:p>
+            <a:pPr marL="457200" indent="-457200">
+              <a:buClr>
+                <a:schemeClr val="bg1"/>
+              </a:buClr>
+              <a:buFont typeface="Wingdings" panose="05000000000000000000" pitchFamily="2" charset="2"/>
+              <a:buChar char="Ø"/>
+            </a:pPr>
+            <a:r>
+              <a:rPr lang="es-ES" sz="2800" b="1" dirty="0">
+                <a:solidFill>
+                  <a:schemeClr val="bg1"/>
+                </a:solidFill>
+                <a:effectLst>
+                  <a:outerShdw blurRad="38100" dist="38100" dir="2700000" algn="tl">
+                    <a:srgbClr val="000000">
+                      <a:alpha val="43137"/>
+                    </a:srgbClr>
+                  </a:outerShdw>
+                </a:effectLst>
+              </a:rPr>
+              <a:t>Dedicarle el tiempo necesario.</a:t>
+            </a:r>
+          </a:p>
+          <a:p>
+            <a:pPr>
+              <a:buClr>
+                <a:schemeClr val="bg1"/>
+              </a:buClr>
+            </a:pPr>
+            <a:endParaRPr lang="es-ES" sz="2800" b="1" dirty="0">
+              <a:solidFill>
+                <a:schemeClr val="bg1"/>
+              </a:solidFill>
+              <a:effectLst>
+                <a:outerShdw blurRad="38100" dist="38100" dir="2700000" algn="tl">
+                  <a:srgbClr val="000000">
+                    <a:alpha val="43137"/>
+                  </a:srgbClr>
+                </a:outerShdw>
+              </a:effectLst>
+            </a:endParaRPr>
+          </a:p>
+          <a:p>
+            <a:pPr marL="457200" indent="-457200">
+              <a:buClr>
+                <a:schemeClr val="bg1"/>
+              </a:buClr>
+              <a:buFont typeface="Wingdings" panose="05000000000000000000" pitchFamily="2" charset="2"/>
+              <a:buChar char="Ø"/>
+            </a:pPr>
+            <a:r>
+              <a:rPr lang="es-ES" sz="2800" b="1" dirty="0">
+                <a:solidFill>
+                  <a:schemeClr val="bg1"/>
+                </a:solidFill>
+                <a:effectLst>
+                  <a:outerShdw blurRad="38100" dist="38100" dir="2700000" algn="tl">
+                    <a:srgbClr val="000000">
+                      <a:alpha val="43137"/>
+                    </a:srgbClr>
+                  </a:outerShdw>
+                </a:effectLst>
+              </a:rPr>
+              <a:t>Aprender a planificar teniendo en cuenta las dificultades.</a:t>
+            </a:r>
+          </a:p>
+          <a:p>
+            <a:pPr marL="457200" indent="-457200">
+              <a:buFont typeface="Wingdings" panose="05000000000000000000" pitchFamily="2" charset="2"/>
+              <a:buChar char="Ø"/>
+            </a:pPr>
+            <a:endParaRPr lang="es-ES" sz="2800" b="1" dirty="0">
+              <a:solidFill>
+                <a:schemeClr val="bg1"/>
+              </a:solidFill>
+              <a:effectLst>
+                <a:outerShdw blurRad="38100" dist="38100" dir="2700000" algn="tl">
+                  <a:srgbClr val="000000">
+                    <a:alpha val="43137"/>
+                  </a:srgbClr>
+                </a:outerShdw>
+              </a:effectLst>
+            </a:endParaRPr>
           </a:p>
         </p:txBody>
       </p:sp>
     </p:spTree>
     <p:extLst>
       <p:ext uri="{BB962C8B-B14F-4D97-AF65-F5344CB8AC3E}">
-        <p14:creationId xmlns:p14="http://schemas.microsoft.com/office/powerpoint/2010/main" val="3209159846"/>
+        <p14:creationId xmlns:p14="http://schemas.microsoft.com/office/powerpoint/2010/main" val="1404410876"/>
       </p:ext>
     </p:extLst>
   </p:cSld>
@@ -6327,8 +6460,8 @@
         </p:nvSpPr>
         <p:spPr>
           <a:xfrm>
-            <a:off x="2625436" y="187037"/>
-            <a:ext cx="3857264" cy="1011382"/>
+            <a:off x="1517073" y="129776"/>
+            <a:ext cx="6025500" cy="857400"/>
           </a:xfrm>
         </p:spPr>
         <p:txBody>
@@ -6338,12 +6471,8 @@
             <a:pPr algn="ctr"/>
             <a:r>
               <a:rPr lang="es-ES" dirty="0"/>
-              <a:t>Preguntas y dudas </a:t>
+              <a:t>Tecnologías Utilizadas</a:t>
             </a:r>
-            <a:br>
-              <a:rPr lang="es-ES" dirty="0"/>
-            </a:br>
-            <a:endParaRPr lang="es-ES" dirty="0"/>
           </a:p>
         </p:txBody>
       </p:sp>
@@ -6379,40 +6508,181 @@
           </a:p>
         </p:txBody>
       </p:sp>
-      <p:pic>
-        <p:nvPicPr>
-          <p:cNvPr id="5" name="Imagen 4"/>
-          <p:cNvPicPr>
-            <a:picLocks noChangeAspect="1"/>
-          </p:cNvPicPr>
-          <p:nvPr/>
-        </p:nvPicPr>
-        <p:blipFill>
-          <a:blip r:embed="rId2">
+      <p:sp>
+        <p:nvSpPr>
+          <p:cNvPr id="3" name="CuadroTexto 2">
             <a:extLst>
-              <a:ext uri="{28A0092B-C50C-407E-A947-70E740481C1C}">
-                <a14:useLocalDpi xmlns:a14="http://schemas.microsoft.com/office/drawing/2010/main" val="0"/>
+              <a:ext uri="{FF2B5EF4-FFF2-40B4-BE49-F238E27FC236}">
+                <a16:creationId xmlns:a16="http://schemas.microsoft.com/office/drawing/2014/main" id="{B6578C9B-A4B7-DD8A-70E4-DA11F325FC21}"/>
               </a:ext>
             </a:extLst>
-          </a:blip>
-          <a:stretch>
-            <a:fillRect/>
-          </a:stretch>
-        </p:blipFill>
+          </p:cNvPr>
+          <p:cNvSpPr txBox="1"/>
+          <p:nvPr/>
+        </p:nvSpPr>
         <p:spPr>
           <a:xfrm>
-            <a:off x="1160570" y="894406"/>
-            <a:ext cx="6786996" cy="4052245"/>
+            <a:off x="754213" y="1321541"/>
+            <a:ext cx="7849156" cy="3108543"/>
           </a:xfrm>
           <a:prstGeom prst="rect">
             <a:avLst/>
           </a:prstGeom>
+          <a:noFill/>
         </p:spPr>
-      </p:pic>
+        <p:txBody>
+          <a:bodyPr wrap="square" rtlCol="0">
+            <a:spAutoFit/>
+          </a:bodyPr>
+          <a:lstStyle/>
+          <a:p>
+            <a:pPr marL="457200" indent="-457200">
+              <a:buClr>
+                <a:schemeClr val="bg1"/>
+              </a:buClr>
+              <a:buFont typeface="Wingdings" panose="05000000000000000000" pitchFamily="2" charset="2"/>
+              <a:buChar char="Ø"/>
+            </a:pPr>
+            <a:r>
+              <a:rPr lang="es-ES" sz="2800" b="1" dirty="0">
+                <a:solidFill>
+                  <a:schemeClr val="bg1"/>
+                </a:solidFill>
+                <a:effectLst>
+                  <a:outerShdw blurRad="38100" dist="38100" dir="2700000" algn="tl">
+                    <a:srgbClr val="000000">
+                      <a:alpha val="43137"/>
+                    </a:srgbClr>
+                  </a:outerShdw>
+                </a:effectLst>
+              </a:rPr>
+              <a:t>Programación Orientada a Objetos</a:t>
+            </a:r>
+          </a:p>
+          <a:p>
+            <a:pPr>
+              <a:buClr>
+                <a:schemeClr val="bg1"/>
+              </a:buClr>
+            </a:pPr>
+            <a:endParaRPr lang="es-ES" sz="2800" b="1" dirty="0">
+              <a:solidFill>
+                <a:schemeClr val="bg1"/>
+              </a:solidFill>
+              <a:effectLst>
+                <a:outerShdw blurRad="38100" dist="38100" dir="2700000" algn="tl">
+                  <a:srgbClr val="000000">
+                    <a:alpha val="43137"/>
+                  </a:srgbClr>
+                </a:outerShdw>
+              </a:effectLst>
+            </a:endParaRPr>
+          </a:p>
+          <a:p>
+            <a:pPr marL="457200" indent="-457200">
+              <a:buClr>
+                <a:schemeClr val="bg1"/>
+              </a:buClr>
+              <a:buFont typeface="Wingdings" panose="05000000000000000000" pitchFamily="2" charset="2"/>
+              <a:buChar char="Ø"/>
+            </a:pPr>
+            <a:r>
+              <a:rPr lang="es-ES" sz="2800" b="1" dirty="0">
+                <a:solidFill>
+                  <a:schemeClr val="bg1"/>
+                </a:solidFill>
+                <a:effectLst>
+                  <a:outerShdw blurRad="38100" dist="38100" dir="2700000" algn="tl">
+                    <a:srgbClr val="000000">
+                      <a:alpha val="43137"/>
+                    </a:srgbClr>
+                  </a:outerShdw>
+                </a:effectLst>
+              </a:rPr>
+              <a:t>DOM</a:t>
+            </a:r>
+          </a:p>
+          <a:p>
+            <a:pPr>
+              <a:buClr>
+                <a:schemeClr val="bg1"/>
+              </a:buClr>
+            </a:pPr>
+            <a:endParaRPr lang="es-ES" sz="2800" b="1" dirty="0">
+              <a:solidFill>
+                <a:schemeClr val="bg1"/>
+              </a:solidFill>
+              <a:effectLst>
+                <a:outerShdw blurRad="38100" dist="38100" dir="2700000" algn="tl">
+                  <a:srgbClr val="000000">
+                    <a:alpha val="43137"/>
+                  </a:srgbClr>
+                </a:outerShdw>
+              </a:effectLst>
+            </a:endParaRPr>
+          </a:p>
+          <a:p>
+            <a:pPr marL="457200" indent="-457200">
+              <a:buClr>
+                <a:schemeClr val="bg1"/>
+              </a:buClr>
+              <a:buFont typeface="Wingdings" panose="05000000000000000000" pitchFamily="2" charset="2"/>
+              <a:buChar char="Ø"/>
+            </a:pPr>
+            <a:r>
+              <a:rPr lang="es-ES" sz="2800" b="1" dirty="0">
+                <a:solidFill>
+                  <a:schemeClr val="bg1"/>
+                </a:solidFill>
+                <a:effectLst>
+                  <a:outerShdw blurRad="38100" dist="38100" dir="2700000" algn="tl">
+                    <a:srgbClr val="000000">
+                      <a:alpha val="43137"/>
+                    </a:srgbClr>
+                  </a:outerShdw>
+                </a:effectLst>
+              </a:rPr>
+              <a:t>AJAX / XHR</a:t>
+            </a:r>
+          </a:p>
+          <a:p>
+            <a:pPr marL="457200" indent="-457200">
+              <a:buFont typeface="Wingdings" panose="05000000000000000000" pitchFamily="2" charset="2"/>
+              <a:buChar char="Ø"/>
+            </a:pPr>
+            <a:endParaRPr lang="es-ES" sz="2800" b="1" dirty="0">
+              <a:solidFill>
+                <a:schemeClr val="bg1"/>
+              </a:solidFill>
+              <a:effectLst>
+                <a:outerShdw blurRad="38100" dist="38100" dir="2700000" algn="tl">
+                  <a:srgbClr val="000000">
+                    <a:alpha val="43137"/>
+                  </a:srgbClr>
+                </a:outerShdw>
+              </a:effectLst>
+            </a:endParaRPr>
+          </a:p>
+          <a:p>
+            <a:endParaRPr lang="es-ES" sz="2800" b="1" dirty="0">
+              <a:solidFill>
+                <a:schemeClr val="bg1"/>
+              </a:solidFill>
+              <a:effectLst>
+                <a:outerShdw blurRad="38100" dist="38100" dir="2700000" algn="tl">
+                  <a:srgbClr val="000000">
+                    <a:alpha val="43137"/>
+                  </a:srgbClr>
+                </a:outerShdw>
+              </a:effectLst>
+            </a:endParaRPr>
+          </a:p>
+        </p:txBody>
+      </p:sp>
     </p:spTree>
     <p:extLst>
       <p:ext uri="{BB962C8B-B14F-4D97-AF65-F5344CB8AC3E}">
-        <p14:creationId xmlns:p14="http://schemas.microsoft.com/office/powerpoint/2010/main" val="2425668177"/>
+        <p14:creationId xmlns:p14="http://schemas.microsoft.com/office/powerpoint/2010/main" val="3209159846"/>
       </p:ext>
     </p:extLst>
   </p:cSld>
